--- a/Presentations/Lab Module 5 - Working with the Wellbore DDMS.pptx
+++ b/Presentations/Lab Module 5 - Working with the Wellbore DDMS.pptx
@@ -105,6 +105,11 @@
       </a:defRPr>
     </a:lvl9pPr>
   </p:defaultTextStyle>
+  <p:extLst>
+    <p:ext uri="{EFAFB233-063F-42B5-8137-9DF3F51BA10A}">
+      <p15:sldGuideLst xmlns:p15="http://schemas.microsoft.com/office/powerpoint/2012/main"/>
+    </p:ext>
+  </p:extLst>
 </p:presentation>
 </file>
 

--- a/Presentations/Lab Module 5 - Working with the Wellbore DDMS.pptx
+++ b/Presentations/Lab Module 5 - Working with the Wellbore DDMS.pptx
@@ -6,7 +6,7 @@
   </p:sldMasterIdLst>
   <p:sldIdLst>
     <p:sldId id="257" r:id="rId2"/>
-    <p:sldId id="258" r:id="rId3"/>
+    <p:sldId id="259" r:id="rId3"/>
   </p:sldIdLst>
   <p:sldSz cx="12192000" cy="6858000"/>
   <p:notesSz cx="6858000" cy="9144000"/>
@@ -3549,7 +3549,23 @@
           <a:bodyPr/>
           <a:lstStyle/>
           <a:p>
-            <a:endParaRPr lang="en-GB" dirty="0">
+            <a:pPr marL="0" indent="0">
+              <a:buNone/>
+            </a:pPr>
+            <a:r>
+              <a:rPr lang="en-GB" dirty="0">
+                <a:latin typeface="Segoe UI" panose="020B0502040204020203" pitchFamily="34" charset="0"/>
+                <a:cs typeface="Segoe UI" panose="020B0502040204020203" pitchFamily="34" charset="0"/>
+              </a:rPr>
+              <a:t>Objectives</a:t>
+            </a:r>
+          </a:p>
+          <a:p>
+            <a:pPr marL="342900" indent="-342900">
+              <a:buFont typeface="+mj-lt"/>
+              <a:buAutoNum type="arabicPeriod"/>
+            </a:pPr>
+            <a:endParaRPr lang="en-GB" sz="1600" dirty="0">
               <a:latin typeface="Segoe UI" panose="020B0502040204020203" pitchFamily="34" charset="0"/>
               <a:cs typeface="Segoe UI" panose="020B0502040204020203" pitchFamily="34" charset="0"/>
             </a:endParaRPr>
@@ -3603,10 +3619,149 @@
           </a:extLst>
         </p:spPr>
       </p:pic>
+      <p:sp>
+        <p:nvSpPr>
+          <p:cNvPr id="2" name="Rectangle: Rounded Corners 1">
+            <a:extLst>
+              <a:ext uri="{FF2B5EF4-FFF2-40B4-BE49-F238E27FC236}">
+                <a16:creationId xmlns:a16="http://schemas.microsoft.com/office/drawing/2014/main" id="{ABD94480-3B87-CD74-ED5A-49FCCC9B5E45}"/>
+              </a:ext>
+            </a:extLst>
+          </p:cNvPr>
+          <p:cNvSpPr/>
+          <p:nvPr/>
+        </p:nvSpPr>
+        <p:spPr>
+          <a:xfrm>
+            <a:off x="7189632" y="159616"/>
+            <a:ext cx="4799168" cy="2619468"/>
+          </a:xfrm>
+          <a:prstGeom prst="roundRect">
+            <a:avLst>
+              <a:gd name="adj" fmla="val 2151"/>
+            </a:avLst>
+          </a:prstGeom>
+        </p:spPr>
+        <p:style>
+          <a:lnRef idx="1">
+            <a:schemeClr val="accent3"/>
+          </a:lnRef>
+          <a:fillRef idx="3">
+            <a:schemeClr val="accent3"/>
+          </a:fillRef>
+          <a:effectRef idx="2">
+            <a:schemeClr val="accent3"/>
+          </a:effectRef>
+          <a:fontRef idx="minor">
+            <a:schemeClr val="lt1"/>
+          </a:fontRef>
+        </p:style>
+        <p:txBody>
+          <a:bodyPr numCol="1" rtlCol="0" anchor="t"/>
+          <a:lstStyle/>
+          <a:p>
+            <a:r>
+              <a:rPr lang="en-GB" b="1">
+                <a:solidFill>
+                  <a:schemeClr val="tx1"/>
+                </a:solidFill>
+              </a:rPr>
+              <a:t>OSDU Instance</a:t>
+            </a:r>
+            <a:br>
+              <a:rPr lang="en-GB">
+                <a:solidFill>
+                  <a:schemeClr val="tx1"/>
+                </a:solidFill>
+              </a:rPr>
+            </a:br>
+            <a:r>
+              <a:rPr lang="en-GB">
+                <a:solidFill>
+                  <a:schemeClr val="tx1"/>
+                </a:solidFill>
+              </a:rPr>
+              <a:t>Instance:		contoso.energy.azure.com</a:t>
+            </a:r>
+          </a:p>
+          <a:p>
+            <a:r>
+              <a:rPr lang="en-GB">
+                <a:solidFill>
+                  <a:schemeClr val="tx1"/>
+                </a:solidFill>
+              </a:rPr>
+              <a:t>Data Partition: 	contoso-opendes</a:t>
+            </a:r>
+          </a:p>
+          <a:p>
+            <a:endParaRPr lang="en-GB">
+              <a:solidFill>
+                <a:schemeClr val="tx1"/>
+              </a:solidFill>
+            </a:endParaRPr>
+          </a:p>
+          <a:p>
+            <a:r>
+              <a:rPr lang="en-GB" b="1">
+                <a:solidFill>
+                  <a:schemeClr val="tx1"/>
+                </a:solidFill>
+              </a:rPr>
+              <a:t>IDP details</a:t>
+            </a:r>
+          </a:p>
+          <a:p>
+            <a:r>
+              <a:rPr lang="en-GB">
+                <a:solidFill>
+                  <a:schemeClr val="tx1"/>
+                </a:solidFill>
+              </a:rPr>
+              <a:t>Tenant ID: 	 </a:t>
+            </a:r>
+          </a:p>
+          <a:p>
+            <a:r>
+              <a:rPr lang="en-GB">
+                <a:solidFill>
+                  <a:schemeClr val="tx1"/>
+                </a:solidFill>
+              </a:rPr>
+              <a:t>Client ID: 		</a:t>
+            </a:r>
+          </a:p>
+          <a:p>
+            <a:r>
+              <a:rPr lang="en-GB">
+                <a:solidFill>
+                  <a:schemeClr val="tx1"/>
+                </a:solidFill>
+              </a:rPr>
+              <a:t>Client secret: 	</a:t>
+            </a:r>
+          </a:p>
+          <a:p>
+            <a:r>
+              <a:rPr lang="en-GB">
+                <a:solidFill>
+                  <a:schemeClr val="tx1"/>
+                </a:solidFill>
+              </a:rPr>
+              <a:t>Scope: 		</a:t>
+            </a:r>
+            <a:endParaRPr lang="en-GB" dirty="0">
+              <a:solidFill>
+                <a:schemeClr val="tx1"/>
+              </a:solidFill>
+            </a:endParaRPr>
+          </a:p>
+        </p:txBody>
+      </p:sp>
     </p:spTree>
     <p:extLst>
       <p:ext uri="{BB962C8B-B14F-4D97-AF65-F5344CB8AC3E}">
-        <p14:creationId xmlns:p14="http://schemas.microsoft.com/office/powerpoint/2010/main" val="208602002"/>
+        <p14:creationId xmlns:p14="http://schemas.microsoft.com/office/powerpoint/2010/main" val="1402617611"/>
       </p:ext>
     </p:extLst>
   </p:cSld>
